--- a/G9_Assignment_Presentation.ipynb.pptx
+++ b/G9_Assignment_Presentation.ipynb.pptx
@@ -13677,7 +13677,7 @@
             </a:pPr>
             <a:r>
               <a:rPr lang="en-IN" sz="1800" dirty="0"/>
-              <a:t>Implemented Linear regression model to predict absenteeism.</a:t>
+              <a:t>Implemented Linear regression model to predict absenteeism</a:t>
             </a:r>
           </a:p>
           <a:p>
@@ -13701,7 +13701,7 @@
             </a:pPr>
             <a:r>
               <a:rPr lang="en-IN" sz="1800" dirty="0"/>
-              <a:t>Implemented LASSO (Least Absolute Shrinkage Selector Operator) Model </a:t>
+              <a:t>Implemented LASSO (Least Absolute Shrinkage Selector Operator) Model</a:t>
             </a:r>
           </a:p>
           <a:p>
@@ -13725,7 +13725,7 @@
             </a:pPr>
             <a:r>
               <a:rPr lang="en-IN" sz="1800" dirty="0"/>
-              <a:t>Calculated “Root Mean Square Error” to evaluate the accuracy of the model.</a:t>
+              <a:t>Calculated “Root Mean Square Error” to evaluate the accuracy of the model</a:t>
             </a:r>
           </a:p>
           <a:p>
@@ -13890,7 +13890,7 @@
           <a:p>
             <a:r>
               <a:rPr lang="en-IN" dirty="0"/>
-              <a:t>Model creation with linear regression</a:t>
+              <a:t>Feature selection and model creation</a:t>
             </a:r>
           </a:p>
         </p:txBody>
@@ -14400,7 +14400,15 @@
             </a:pPr>
             <a:r>
               <a:rPr lang="en-US" sz="5600" dirty="0"/>
-              <a:t>Due to heavy workload these delivery personnel are not able to perform their optimum limits, which results into their absenteeism from the work, which in turn increases the load on the other delivery personnel.</a:t>
+              <a:t>Due to heavy workload these delivery personnel are not able to perform their optimum limits, which results into their absenteeism from the work, which in turn increases the load on other delivery </a:t>
+            </a:r>
+            <a:r>
+              <a:rPr lang="en-US" sz="5600" dirty="0" err="1"/>
+              <a:t>personnels</a:t>
+            </a:r>
+            <a:r>
+              <a:rPr lang="en-US" sz="5600" dirty="0"/>
+              <a:t>.</a:t>
             </a:r>
           </a:p>
           <a:p>
@@ -14561,7 +14569,7 @@
             </a:pPr>
             <a:r>
               <a:rPr lang="en-GB" sz="1800" dirty="0"/>
-              <a:t>In Order to improve productivity, need to take a close look at absenteeism record of delivery personnel</a:t>
+              <a:t>In order to improve productivity, we need to take a close look at absenteeism record of delivery personnel’s, we must</a:t>
             </a:r>
           </a:p>
           <a:p>
@@ -14969,7 +14977,7 @@
             </a:pPr>
             <a:r>
               <a:rPr lang="en-IN" sz="1600" dirty="0"/>
-              <a:t>EDA with heatmap and </a:t>
+              <a:t>EDA with bar graphs, heatmap and </a:t>
             </a:r>
             <a:r>
               <a:rPr lang="en-IN" sz="1600" dirty="0" err="1"/>

--- a/G9_Assignment_Presentation.ipynb.pptx
+++ b/G9_Assignment_Presentation.ipynb.pptx
@@ -14054,8 +14054,12 @@
           </a:p>
           <a:p>
             <a:r>
+              <a:rPr lang="en-US"/>
+              <a:t>Provide physiotherapy </a:t>
+            </a:r>
+            <a:r>
               <a:rPr lang="en-US" dirty="0"/>
-              <a:t>Provide physiotherapy, yoga and gym sessions which will not only reduce stress but increase productivity</a:t>
+              <a:t>sessions which will not only reduce stress but increase productivity</a:t>
             </a:r>
           </a:p>
           <a:p>
